--- a/20210915/20210915.pptx
+++ b/20210915/20210915.pptx
@@ -9,6 +9,8 @@
     <p:sldId id="257" r:id="rId3"/>
     <p:sldId id="258" r:id="rId4"/>
     <p:sldId id="259" r:id="rId5"/>
+    <p:sldId id="260" r:id="rId6"/>
+    <p:sldId id="261" r:id="rId7"/>
   </p:sldIdLst>
   <p:sldSz cx="12192000" cy="6858000"/>
   <p:notesSz cx="6858000" cy="9144000"/>
@@ -107,6 +109,11 @@
       </a:defRPr>
     </a:lvl9pPr>
   </p:defaultTextStyle>
+  <p:extLst>
+    <p:ext uri="{EFAFB233-063F-42B5-8137-9DF3F51BA10A}">
+      <p15:sldGuideLst xmlns:p15="http://schemas.microsoft.com/office/powerpoint/2012/main"/>
+    </p:ext>
+  </p:extLst>
 </p:presentation>
 </file>
 
@@ -257,7 +264,7 @@
           <a:p>
             <a:fld id="{6D2201DD-55AB-4E6F-87E0-CCF5B0EFDD3D}" type="datetimeFigureOut">
               <a:rPr lang="zh-TW" altLang="en-US" smtClean="0"/>
-              <a:t>2021/9/15</a:t>
+              <a:t>2021/9/16</a:t>
             </a:fld>
             <a:endParaRPr lang="zh-TW" altLang="en-US"/>
           </a:p>
@@ -455,7 +462,7 @@
           <a:p>
             <a:fld id="{6D2201DD-55AB-4E6F-87E0-CCF5B0EFDD3D}" type="datetimeFigureOut">
               <a:rPr lang="zh-TW" altLang="en-US" smtClean="0"/>
-              <a:t>2021/9/15</a:t>
+              <a:t>2021/9/16</a:t>
             </a:fld>
             <a:endParaRPr lang="zh-TW" altLang="en-US"/>
           </a:p>
@@ -663,7 +670,7 @@
           <a:p>
             <a:fld id="{6D2201DD-55AB-4E6F-87E0-CCF5B0EFDD3D}" type="datetimeFigureOut">
               <a:rPr lang="zh-TW" altLang="en-US" smtClean="0"/>
-              <a:t>2021/9/15</a:t>
+              <a:t>2021/9/16</a:t>
             </a:fld>
             <a:endParaRPr lang="zh-TW" altLang="en-US"/>
           </a:p>
@@ -861,7 +868,7 @@
           <a:p>
             <a:fld id="{6D2201DD-55AB-4E6F-87E0-CCF5B0EFDD3D}" type="datetimeFigureOut">
               <a:rPr lang="zh-TW" altLang="en-US" smtClean="0"/>
-              <a:t>2021/9/15</a:t>
+              <a:t>2021/9/16</a:t>
             </a:fld>
             <a:endParaRPr lang="zh-TW" altLang="en-US"/>
           </a:p>
@@ -1136,7 +1143,7 @@
           <a:p>
             <a:fld id="{6D2201DD-55AB-4E6F-87E0-CCF5B0EFDD3D}" type="datetimeFigureOut">
               <a:rPr lang="zh-TW" altLang="en-US" smtClean="0"/>
-              <a:t>2021/9/15</a:t>
+              <a:t>2021/9/16</a:t>
             </a:fld>
             <a:endParaRPr lang="zh-TW" altLang="en-US"/>
           </a:p>
@@ -1401,7 +1408,7 @@
           <a:p>
             <a:fld id="{6D2201DD-55AB-4E6F-87E0-CCF5B0EFDD3D}" type="datetimeFigureOut">
               <a:rPr lang="zh-TW" altLang="en-US" smtClean="0"/>
-              <a:t>2021/9/15</a:t>
+              <a:t>2021/9/16</a:t>
             </a:fld>
             <a:endParaRPr lang="zh-TW" altLang="en-US"/>
           </a:p>
@@ -1813,7 +1820,7 @@
           <a:p>
             <a:fld id="{6D2201DD-55AB-4E6F-87E0-CCF5B0EFDD3D}" type="datetimeFigureOut">
               <a:rPr lang="zh-TW" altLang="en-US" smtClean="0"/>
-              <a:t>2021/9/15</a:t>
+              <a:t>2021/9/16</a:t>
             </a:fld>
             <a:endParaRPr lang="zh-TW" altLang="en-US"/>
           </a:p>
@@ -1954,7 +1961,7 @@
           <a:p>
             <a:fld id="{6D2201DD-55AB-4E6F-87E0-CCF5B0EFDD3D}" type="datetimeFigureOut">
               <a:rPr lang="zh-TW" altLang="en-US" smtClean="0"/>
-              <a:t>2021/9/15</a:t>
+              <a:t>2021/9/16</a:t>
             </a:fld>
             <a:endParaRPr lang="zh-TW" altLang="en-US"/>
           </a:p>
@@ -2067,7 +2074,7 @@
           <a:p>
             <a:fld id="{6D2201DD-55AB-4E6F-87E0-CCF5B0EFDD3D}" type="datetimeFigureOut">
               <a:rPr lang="zh-TW" altLang="en-US" smtClean="0"/>
-              <a:t>2021/9/15</a:t>
+              <a:t>2021/9/16</a:t>
             </a:fld>
             <a:endParaRPr lang="zh-TW" altLang="en-US"/>
           </a:p>
@@ -2378,7 +2385,7 @@
           <a:p>
             <a:fld id="{6D2201DD-55AB-4E6F-87E0-CCF5B0EFDD3D}" type="datetimeFigureOut">
               <a:rPr lang="zh-TW" altLang="en-US" smtClean="0"/>
-              <a:t>2021/9/15</a:t>
+              <a:t>2021/9/16</a:t>
             </a:fld>
             <a:endParaRPr lang="zh-TW" altLang="en-US"/>
           </a:p>
@@ -2666,7 +2673,7 @@
           <a:p>
             <a:fld id="{6D2201DD-55AB-4E6F-87E0-CCF5B0EFDD3D}" type="datetimeFigureOut">
               <a:rPr lang="zh-TW" altLang="en-US" smtClean="0"/>
-              <a:t>2021/9/15</a:t>
+              <a:t>2021/9/16</a:t>
             </a:fld>
             <a:endParaRPr lang="zh-TW" altLang="en-US"/>
           </a:p>
@@ -2907,7 +2914,7 @@
           <a:p>
             <a:fld id="{6D2201DD-55AB-4E6F-87E0-CCF5B0EFDD3D}" type="datetimeFigureOut">
               <a:rPr lang="zh-TW" altLang="en-US" smtClean="0"/>
-              <a:t>2021/9/15</a:t>
+              <a:t>2021/9/16</a:t>
             </a:fld>
             <a:endParaRPr lang="zh-TW" altLang="en-US"/>
           </a:p>
@@ -3770,10 +3777,620 @@
           <a:chExt cx="0" cy="0"/>
         </a:xfrm>
       </p:grpSpPr>
+      <p:pic>
+        <p:nvPicPr>
+          <p:cNvPr id="3" name="圖片 2">
+            <a:extLst>
+              <a:ext uri="{FF2B5EF4-FFF2-40B4-BE49-F238E27FC236}">
+                <a16:creationId xmlns:a16="http://schemas.microsoft.com/office/drawing/2014/main" id="{818206C4-F28C-40A2-BBB7-89B3CFACD158}"/>
+              </a:ext>
+            </a:extLst>
+          </p:cNvPr>
+          <p:cNvPicPr>
+            <a:picLocks noChangeAspect="1"/>
+          </p:cNvPicPr>
+          <p:nvPr/>
+        </p:nvPicPr>
+        <p:blipFill>
+          <a:blip r:embed="rId2"/>
+          <a:stretch>
+            <a:fillRect/>
+          </a:stretch>
+        </p:blipFill>
+        <p:spPr>
+          <a:xfrm>
+            <a:off x="-7441" y="799618"/>
+            <a:ext cx="12188569" cy="5584404"/>
+          </a:xfrm>
+          <a:prstGeom prst="rect">
+            <a:avLst/>
+          </a:prstGeom>
+        </p:spPr>
+      </p:pic>
+      <p:sp>
+        <p:nvSpPr>
+          <p:cNvPr id="4" name="矩形 3">
+            <a:extLst>
+              <a:ext uri="{FF2B5EF4-FFF2-40B4-BE49-F238E27FC236}">
+                <a16:creationId xmlns:a16="http://schemas.microsoft.com/office/drawing/2014/main" id="{AC72FF45-CCE6-4C78-A1DE-DB844DA06A75}"/>
+              </a:ext>
+            </a:extLst>
+          </p:cNvPr>
+          <p:cNvSpPr/>
+          <p:nvPr/>
+        </p:nvSpPr>
+        <p:spPr>
+          <a:xfrm>
+            <a:off x="1493240" y="3556932"/>
+            <a:ext cx="2046914" cy="528507"/>
+          </a:xfrm>
+          <a:prstGeom prst="rect">
+            <a:avLst/>
+          </a:prstGeom>
+          <a:noFill/>
+          <a:ln w="28575">
+            <a:solidFill>
+              <a:srgbClr val="FF0000"/>
+            </a:solidFill>
+          </a:ln>
+        </p:spPr>
+        <p:style>
+          <a:lnRef idx="2">
+            <a:schemeClr val="accent1">
+              <a:shade val="50000"/>
+            </a:schemeClr>
+          </a:lnRef>
+          <a:fillRef idx="1">
+            <a:schemeClr val="accent1"/>
+          </a:fillRef>
+          <a:effectRef idx="0">
+            <a:schemeClr val="accent1"/>
+          </a:effectRef>
+          <a:fontRef idx="minor">
+            <a:schemeClr val="lt1"/>
+          </a:fontRef>
+        </p:style>
+        <p:txBody>
+          <a:bodyPr rtlCol="0" anchor="ctr"/>
+          <a:lstStyle/>
+          <a:p>
+            <a:pPr algn="ctr"/>
+            <a:endParaRPr lang="zh-TW" altLang="en-US"/>
+          </a:p>
+        </p:txBody>
+      </p:sp>
     </p:spTree>
     <p:extLst>
       <p:ext uri="{BB962C8B-B14F-4D97-AF65-F5344CB8AC3E}">
         <p14:creationId xmlns:p14="http://schemas.microsoft.com/office/powerpoint/2010/main" val="2577817666"/>
+      </p:ext>
+    </p:extLst>
+  </p:cSld>
+  <p:clrMapOvr>
+    <a:masterClrMapping/>
+  </p:clrMapOvr>
+</p:sld>
+</file>
+
+<file path=ppt/slides/slide5.xml><?xml version="1.0" encoding="utf-8"?>
+<p:sld xmlns:a="http://schemas.openxmlformats.org/drawingml/2006/main" xmlns:r="http://schemas.openxmlformats.org/officeDocument/2006/relationships" xmlns:p="http://schemas.openxmlformats.org/presentationml/2006/main">
+  <p:cSld>
+    <p:spTree>
+      <p:nvGrpSpPr>
+        <p:cNvPr id="1" name=""/>
+        <p:cNvGrpSpPr/>
+        <p:nvPr/>
+      </p:nvGrpSpPr>
+      <p:grpSpPr>
+        <a:xfrm>
+          <a:off x="0" y="0"/>
+          <a:ext cx="0" cy="0"/>
+          <a:chOff x="0" y="0"/>
+          <a:chExt cx="0" cy="0"/>
+        </a:xfrm>
+      </p:grpSpPr>
+      <p:pic>
+        <p:nvPicPr>
+          <p:cNvPr id="5" name="圖片 4">
+            <a:extLst>
+              <a:ext uri="{FF2B5EF4-FFF2-40B4-BE49-F238E27FC236}">
+                <a16:creationId xmlns:a16="http://schemas.microsoft.com/office/drawing/2014/main" id="{460FE39D-B729-4CC9-A64B-F2DB3C00FF69}"/>
+              </a:ext>
+            </a:extLst>
+          </p:cNvPr>
+          <p:cNvPicPr>
+            <a:picLocks noChangeAspect="1"/>
+          </p:cNvPicPr>
+          <p:nvPr/>
+        </p:nvPicPr>
+        <p:blipFill>
+          <a:blip r:embed="rId2">
+            <a:extLst>
+              <a:ext uri="{28A0092B-C50C-407E-A947-70E740481C1C}">
+                <a14:useLocalDpi xmlns:a14="http://schemas.microsoft.com/office/drawing/2010/main" val="0"/>
+              </a:ext>
+            </a:extLst>
+          </a:blip>
+          <a:stretch>
+            <a:fillRect/>
+          </a:stretch>
+        </p:blipFill>
+        <p:spPr>
+          <a:xfrm>
+            <a:off x="6043668" y="842138"/>
+            <a:ext cx="5954663" cy="5173723"/>
+          </a:xfrm>
+          <a:prstGeom prst="rect">
+            <a:avLst/>
+          </a:prstGeom>
+          <a:ln>
+            <a:solidFill>
+              <a:schemeClr val="tx1"/>
+            </a:solidFill>
+          </a:ln>
+        </p:spPr>
+      </p:pic>
+      <p:pic>
+        <p:nvPicPr>
+          <p:cNvPr id="7" name="圖片 6">
+            <a:extLst>
+              <a:ext uri="{FF2B5EF4-FFF2-40B4-BE49-F238E27FC236}">
+                <a16:creationId xmlns:a16="http://schemas.microsoft.com/office/drawing/2014/main" id="{3A95BED9-3790-4201-AB48-C765407C711F}"/>
+              </a:ext>
+            </a:extLst>
+          </p:cNvPr>
+          <p:cNvPicPr>
+            <a:picLocks noChangeAspect="1"/>
+          </p:cNvPicPr>
+          <p:nvPr/>
+        </p:nvPicPr>
+        <p:blipFill>
+          <a:blip r:embed="rId3">
+            <a:extLst>
+              <a:ext uri="{28A0092B-C50C-407E-A947-70E740481C1C}">
+                <a14:useLocalDpi xmlns:a14="http://schemas.microsoft.com/office/drawing/2010/main" val="0"/>
+              </a:ext>
+            </a:extLst>
+          </a:blip>
+          <a:stretch>
+            <a:fillRect/>
+          </a:stretch>
+        </p:blipFill>
+        <p:spPr>
+          <a:xfrm>
+            <a:off x="-1" y="842138"/>
+            <a:ext cx="5954662" cy="5173723"/>
+          </a:xfrm>
+          <a:prstGeom prst="rect">
+            <a:avLst/>
+          </a:prstGeom>
+          <a:ln>
+            <a:solidFill>
+              <a:schemeClr val="tx1"/>
+            </a:solidFill>
+          </a:ln>
+        </p:spPr>
+      </p:pic>
+      <p:sp>
+        <p:nvSpPr>
+          <p:cNvPr id="8" name="矩形 7">
+            <a:extLst>
+              <a:ext uri="{FF2B5EF4-FFF2-40B4-BE49-F238E27FC236}">
+                <a16:creationId xmlns:a16="http://schemas.microsoft.com/office/drawing/2014/main" id="{227F19AA-7E66-4594-8873-3212BAD1734A}"/>
+              </a:ext>
+            </a:extLst>
+          </p:cNvPr>
+          <p:cNvSpPr/>
+          <p:nvPr/>
+        </p:nvSpPr>
+        <p:spPr>
+          <a:xfrm>
+            <a:off x="7021585" y="2357306"/>
+            <a:ext cx="1786855" cy="612397"/>
+          </a:xfrm>
+          <a:prstGeom prst="rect">
+            <a:avLst/>
+          </a:prstGeom>
+          <a:noFill/>
+          <a:ln w="28575">
+            <a:solidFill>
+              <a:srgbClr val="FF0000"/>
+            </a:solidFill>
+          </a:ln>
+        </p:spPr>
+        <p:style>
+          <a:lnRef idx="2">
+            <a:schemeClr val="accent1">
+              <a:shade val="50000"/>
+            </a:schemeClr>
+          </a:lnRef>
+          <a:fillRef idx="1">
+            <a:schemeClr val="accent1"/>
+          </a:fillRef>
+          <a:effectRef idx="0">
+            <a:schemeClr val="accent1"/>
+          </a:effectRef>
+          <a:fontRef idx="minor">
+            <a:schemeClr val="lt1"/>
+          </a:fontRef>
+        </p:style>
+        <p:txBody>
+          <a:bodyPr rtlCol="0" anchor="ctr"/>
+          <a:lstStyle/>
+          <a:p>
+            <a:pPr algn="ctr"/>
+            <a:endParaRPr lang="zh-TW" altLang="en-US"/>
+          </a:p>
+        </p:txBody>
+      </p:sp>
+      <p:sp>
+        <p:nvSpPr>
+          <p:cNvPr id="9" name="矩形 8">
+            <a:extLst>
+              <a:ext uri="{FF2B5EF4-FFF2-40B4-BE49-F238E27FC236}">
+                <a16:creationId xmlns:a16="http://schemas.microsoft.com/office/drawing/2014/main" id="{5DE5F4FC-D092-4D05-8347-60B852B16B75}"/>
+              </a:ext>
+            </a:extLst>
+          </p:cNvPr>
+          <p:cNvSpPr/>
+          <p:nvPr/>
+        </p:nvSpPr>
+        <p:spPr>
+          <a:xfrm>
+            <a:off x="85289" y="5043181"/>
+            <a:ext cx="1726734" cy="317383"/>
+          </a:xfrm>
+          <a:prstGeom prst="rect">
+            <a:avLst/>
+          </a:prstGeom>
+          <a:noFill/>
+          <a:ln w="28575">
+            <a:solidFill>
+              <a:srgbClr val="FF0000"/>
+            </a:solidFill>
+          </a:ln>
+        </p:spPr>
+        <p:style>
+          <a:lnRef idx="2">
+            <a:schemeClr val="accent1">
+              <a:shade val="50000"/>
+            </a:schemeClr>
+          </a:lnRef>
+          <a:fillRef idx="1">
+            <a:schemeClr val="accent1"/>
+          </a:fillRef>
+          <a:effectRef idx="0">
+            <a:schemeClr val="accent1"/>
+          </a:effectRef>
+          <a:fontRef idx="minor">
+            <a:schemeClr val="lt1"/>
+          </a:fontRef>
+        </p:style>
+        <p:txBody>
+          <a:bodyPr rtlCol="0" anchor="ctr"/>
+          <a:lstStyle/>
+          <a:p>
+            <a:pPr algn="ctr"/>
+            <a:endParaRPr lang="zh-TW" altLang="en-US"/>
+          </a:p>
+        </p:txBody>
+      </p:sp>
+      <p:sp>
+        <p:nvSpPr>
+          <p:cNvPr id="10" name="矩形 9">
+            <a:extLst>
+              <a:ext uri="{FF2B5EF4-FFF2-40B4-BE49-F238E27FC236}">
+                <a16:creationId xmlns:a16="http://schemas.microsoft.com/office/drawing/2014/main" id="{FDDEB2C5-F63A-4070-B690-92CA4D0D9942}"/>
+              </a:ext>
+            </a:extLst>
+          </p:cNvPr>
+          <p:cNvSpPr/>
+          <p:nvPr/>
+        </p:nvSpPr>
+        <p:spPr>
+          <a:xfrm>
+            <a:off x="2392262" y="4590175"/>
+            <a:ext cx="1122726" cy="283829"/>
+          </a:xfrm>
+          <a:prstGeom prst="rect">
+            <a:avLst/>
+          </a:prstGeom>
+          <a:noFill/>
+          <a:ln w="28575">
+            <a:solidFill>
+              <a:srgbClr val="FF0000"/>
+            </a:solidFill>
+          </a:ln>
+        </p:spPr>
+        <p:style>
+          <a:lnRef idx="2">
+            <a:schemeClr val="accent1">
+              <a:shade val="50000"/>
+            </a:schemeClr>
+          </a:lnRef>
+          <a:fillRef idx="1">
+            <a:schemeClr val="accent1"/>
+          </a:fillRef>
+          <a:effectRef idx="0">
+            <a:schemeClr val="accent1"/>
+          </a:effectRef>
+          <a:fontRef idx="minor">
+            <a:schemeClr val="lt1"/>
+          </a:fontRef>
+        </p:style>
+        <p:txBody>
+          <a:bodyPr rtlCol="0" anchor="ctr"/>
+          <a:lstStyle/>
+          <a:p>
+            <a:pPr algn="ctr"/>
+            <a:endParaRPr lang="zh-TW" altLang="en-US"/>
+          </a:p>
+        </p:txBody>
+      </p:sp>
+    </p:spTree>
+    <p:extLst>
+      <p:ext uri="{BB962C8B-B14F-4D97-AF65-F5344CB8AC3E}">
+        <p14:creationId xmlns:p14="http://schemas.microsoft.com/office/powerpoint/2010/main" val="1982835089"/>
+      </p:ext>
+    </p:extLst>
+  </p:cSld>
+  <p:clrMapOvr>
+    <a:masterClrMapping/>
+  </p:clrMapOvr>
+</p:sld>
+</file>
+
+<file path=ppt/slides/slide6.xml><?xml version="1.0" encoding="utf-8"?>
+<p:sld xmlns:a="http://schemas.openxmlformats.org/drawingml/2006/main" xmlns:r="http://schemas.openxmlformats.org/officeDocument/2006/relationships" xmlns:p="http://schemas.openxmlformats.org/presentationml/2006/main">
+  <p:cSld>
+    <p:spTree>
+      <p:nvGrpSpPr>
+        <p:cNvPr id="1" name=""/>
+        <p:cNvGrpSpPr/>
+        <p:nvPr/>
+      </p:nvGrpSpPr>
+      <p:grpSpPr>
+        <a:xfrm>
+          <a:off x="0" y="0"/>
+          <a:ext cx="0" cy="0"/>
+          <a:chOff x="0" y="0"/>
+          <a:chExt cx="0" cy="0"/>
+        </a:xfrm>
+      </p:grpSpPr>
+      <p:pic>
+        <p:nvPicPr>
+          <p:cNvPr id="5" name="圖片 4">
+            <a:extLst>
+              <a:ext uri="{FF2B5EF4-FFF2-40B4-BE49-F238E27FC236}">
+                <a16:creationId xmlns:a16="http://schemas.microsoft.com/office/drawing/2014/main" id="{6824EFA7-664D-41FF-88C8-CFA14DAD28AE}"/>
+              </a:ext>
+            </a:extLst>
+          </p:cNvPr>
+          <p:cNvPicPr>
+            <a:picLocks noChangeAspect="1"/>
+          </p:cNvPicPr>
+          <p:nvPr/>
+        </p:nvPicPr>
+        <p:blipFill>
+          <a:blip r:embed="rId2">
+            <a:extLst>
+              <a:ext uri="{28A0092B-C50C-407E-A947-70E740481C1C}">
+                <a14:useLocalDpi xmlns:a14="http://schemas.microsoft.com/office/drawing/2010/main" val="0"/>
+              </a:ext>
+            </a:extLst>
+          </a:blip>
+          <a:stretch>
+            <a:fillRect/>
+          </a:stretch>
+        </p:blipFill>
+        <p:spPr>
+          <a:xfrm>
+            <a:off x="593072" y="890232"/>
+            <a:ext cx="4563112" cy="5077534"/>
+          </a:xfrm>
+          <a:prstGeom prst="rect">
+            <a:avLst/>
+          </a:prstGeom>
+        </p:spPr>
+      </p:pic>
+      <p:pic>
+        <p:nvPicPr>
+          <p:cNvPr id="7" name="圖片 6">
+            <a:extLst>
+              <a:ext uri="{FF2B5EF4-FFF2-40B4-BE49-F238E27FC236}">
+                <a16:creationId xmlns:a16="http://schemas.microsoft.com/office/drawing/2014/main" id="{428C1F90-BFF7-43BD-854D-52F8B28F9A47}"/>
+              </a:ext>
+            </a:extLst>
+          </p:cNvPr>
+          <p:cNvPicPr>
+            <a:picLocks noChangeAspect="1"/>
+          </p:cNvPicPr>
+          <p:nvPr/>
+        </p:nvPicPr>
+        <p:blipFill>
+          <a:blip r:embed="rId3">
+            <a:extLst>
+              <a:ext uri="{28A0092B-C50C-407E-A947-70E740481C1C}">
+                <a14:useLocalDpi xmlns:a14="http://schemas.microsoft.com/office/drawing/2010/main" val="0"/>
+              </a:ext>
+            </a:extLst>
+          </a:blip>
+          <a:stretch>
+            <a:fillRect/>
+          </a:stretch>
+        </p:blipFill>
+        <p:spPr>
+          <a:xfrm>
+            <a:off x="5864804" y="642547"/>
+            <a:ext cx="5887272" cy="5572903"/>
+          </a:xfrm>
+          <a:prstGeom prst="rect">
+            <a:avLst/>
+          </a:prstGeom>
+        </p:spPr>
+      </p:pic>
+      <p:sp>
+        <p:nvSpPr>
+          <p:cNvPr id="8" name="矩形 7">
+            <a:extLst>
+              <a:ext uri="{FF2B5EF4-FFF2-40B4-BE49-F238E27FC236}">
+                <a16:creationId xmlns:a16="http://schemas.microsoft.com/office/drawing/2014/main" id="{08923AF0-AA96-4FDC-820D-859A57869E42}"/>
+              </a:ext>
+            </a:extLst>
+          </p:cNvPr>
+          <p:cNvSpPr/>
+          <p:nvPr/>
+        </p:nvSpPr>
+        <p:spPr>
+          <a:xfrm>
+            <a:off x="7290032" y="3680672"/>
+            <a:ext cx="2365695" cy="153098"/>
+          </a:xfrm>
+          <a:prstGeom prst="rect">
+            <a:avLst/>
+          </a:prstGeom>
+          <a:solidFill>
+            <a:schemeClr val="tx1"/>
+          </a:solidFill>
+          <a:ln w="28575">
+            <a:solidFill>
+              <a:schemeClr val="tx1"/>
+            </a:solidFill>
+          </a:ln>
+        </p:spPr>
+        <p:style>
+          <a:lnRef idx="2">
+            <a:schemeClr val="accent1">
+              <a:shade val="50000"/>
+            </a:schemeClr>
+          </a:lnRef>
+          <a:fillRef idx="1">
+            <a:schemeClr val="accent1"/>
+          </a:fillRef>
+          <a:effectRef idx="0">
+            <a:schemeClr val="accent1"/>
+          </a:effectRef>
+          <a:fontRef idx="minor">
+            <a:schemeClr val="lt1"/>
+          </a:fontRef>
+        </p:style>
+        <p:txBody>
+          <a:bodyPr rtlCol="0" anchor="ctr"/>
+          <a:lstStyle/>
+          <a:p>
+            <a:pPr algn="ctr"/>
+            <a:endParaRPr lang="zh-TW" altLang="en-US"/>
+          </a:p>
+        </p:txBody>
+      </p:sp>
+      <p:sp>
+        <p:nvSpPr>
+          <p:cNvPr id="9" name="矩形 8">
+            <a:extLst>
+              <a:ext uri="{FF2B5EF4-FFF2-40B4-BE49-F238E27FC236}">
+                <a16:creationId xmlns:a16="http://schemas.microsoft.com/office/drawing/2014/main" id="{E92E93A4-B19F-4ABE-8B95-BC0D8996A0EC}"/>
+              </a:ext>
+            </a:extLst>
+          </p:cNvPr>
+          <p:cNvSpPr/>
+          <p:nvPr/>
+        </p:nvSpPr>
+        <p:spPr>
+          <a:xfrm>
+            <a:off x="6160766" y="3638726"/>
+            <a:ext cx="667873" cy="253768"/>
+          </a:xfrm>
+          <a:prstGeom prst="rect">
+            <a:avLst/>
+          </a:prstGeom>
+          <a:noFill/>
+          <a:ln w="28575">
+            <a:solidFill>
+              <a:srgbClr val="FF0000"/>
+            </a:solidFill>
+          </a:ln>
+        </p:spPr>
+        <p:style>
+          <a:lnRef idx="2">
+            <a:schemeClr val="accent1">
+              <a:shade val="50000"/>
+            </a:schemeClr>
+          </a:lnRef>
+          <a:fillRef idx="1">
+            <a:schemeClr val="accent1"/>
+          </a:fillRef>
+          <a:effectRef idx="0">
+            <a:schemeClr val="accent1"/>
+          </a:effectRef>
+          <a:fontRef idx="minor">
+            <a:schemeClr val="lt1"/>
+          </a:fontRef>
+        </p:style>
+        <p:txBody>
+          <a:bodyPr rtlCol="0" anchor="ctr"/>
+          <a:lstStyle/>
+          <a:p>
+            <a:pPr algn="ctr"/>
+            <a:endParaRPr lang="zh-TW" altLang="en-US"/>
+          </a:p>
+        </p:txBody>
+      </p:sp>
+      <p:sp>
+        <p:nvSpPr>
+          <p:cNvPr id="10" name="矩形 9">
+            <a:extLst>
+              <a:ext uri="{FF2B5EF4-FFF2-40B4-BE49-F238E27FC236}">
+                <a16:creationId xmlns:a16="http://schemas.microsoft.com/office/drawing/2014/main" id="{DFBA8ACF-0490-401D-A670-B84EB279C28F}"/>
+              </a:ext>
+            </a:extLst>
+          </p:cNvPr>
+          <p:cNvSpPr/>
+          <p:nvPr/>
+        </p:nvSpPr>
+        <p:spPr>
+          <a:xfrm>
+            <a:off x="3271706" y="4890782"/>
+            <a:ext cx="1694577" cy="419449"/>
+          </a:xfrm>
+          <a:prstGeom prst="rect">
+            <a:avLst/>
+          </a:prstGeom>
+          <a:noFill/>
+          <a:ln w="28575">
+            <a:solidFill>
+              <a:srgbClr val="FF0000"/>
+            </a:solidFill>
+          </a:ln>
+        </p:spPr>
+        <p:style>
+          <a:lnRef idx="2">
+            <a:schemeClr val="accent1">
+              <a:shade val="50000"/>
+            </a:schemeClr>
+          </a:lnRef>
+          <a:fillRef idx="1">
+            <a:schemeClr val="accent1"/>
+          </a:fillRef>
+          <a:effectRef idx="0">
+            <a:schemeClr val="accent1"/>
+          </a:effectRef>
+          <a:fontRef idx="minor">
+            <a:schemeClr val="lt1"/>
+          </a:fontRef>
+        </p:style>
+        <p:txBody>
+          <a:bodyPr rtlCol="0" anchor="ctr"/>
+          <a:lstStyle/>
+          <a:p>
+            <a:pPr algn="ctr"/>
+            <a:endParaRPr lang="zh-TW" altLang="en-US"/>
+          </a:p>
+        </p:txBody>
+      </p:sp>
+    </p:spTree>
+    <p:extLst>
+      <p:ext uri="{BB962C8B-B14F-4D97-AF65-F5344CB8AC3E}">
+        <p14:creationId xmlns:p14="http://schemas.microsoft.com/office/powerpoint/2010/main" val="3588811445"/>
       </p:ext>
     </p:extLst>
   </p:cSld>
